--- a/EDM/01-Introduction.pptx
+++ b/EDM/01-Introduction.pptx
@@ -235,7 +235,7 @@
           <a:p>
             <a:fld id="{F87AF23C-6CAB-4A6A-B3BC-A88F610E0570}" type="datetimeFigureOut">
               <a:rPr lang="en-US" smtClean="0"/>
-              <a:t>9/12/2023</a:t>
+              <a:t>9/13/2024</a:t>
             </a:fld>
             <a:endParaRPr lang="en-US"/>
           </a:p>
@@ -9542,33 +9542,25 @@
           <a:lstStyle/>
           <a:p>
             <a:r>
-              <a:rPr lang="en-US" altLang="zh-TW" dirty="0" smtClean="0"/>
-              <a:t>Example of </a:t>
-            </a:r>
-            <a:r>
-              <a:rPr lang="en-US" altLang="zh-TW" dirty="0" smtClean="0"/>
-              <a:t>Data Mining: </a:t>
-            </a:r>
-            <a:r>
-              <a:rPr lang="en-US" altLang="zh-TW" dirty="0" smtClean="0"/>
-              <a:t/>
+              <a:rPr lang="en-US" altLang="zh-TW" dirty="0"/>
+              <a:t>Example of Data Mining: </a:t>
             </a:r>
             <a:br>
-              <a:rPr lang="en-US" altLang="zh-TW" dirty="0" smtClean="0"/>
+              <a:rPr lang="en-US" altLang="zh-TW" dirty="0"/>
             </a:br>
             <a:r>
-              <a:rPr lang="en-US" altLang="zh-TW" dirty="0" smtClean="0"/>
+              <a:rPr lang="en-US" altLang="zh-TW" dirty="0"/>
               <a:t>Google </a:t>
             </a:r>
             <a:r>
-              <a:rPr lang="en-US" altLang="zh-TW" dirty="0" err="1" smtClean="0"/>
+              <a:rPr lang="en-US" altLang="zh-TW" dirty="0" err="1"/>
               <a:t>FluTrends</a:t>
             </a:r>
             <a:r>
-              <a:rPr lang="en-US" altLang="zh-TW" dirty="0" smtClean="0"/>
+              <a:rPr lang="en-US" altLang="zh-TW" dirty="0"/>
               <a:t> (GFT)</a:t>
             </a:r>
-            <a:endParaRPr lang="zh-TW" altLang="en-US" dirty="0" smtClean="0"/>
+            <a:endParaRPr lang="zh-TW" altLang="en-US" dirty="0"/>
           </a:p>
         </p:txBody>
       </p:sp>
@@ -9612,13 +9604,6 @@
   <p:clrMapOvr>
     <a:masterClrMapping/>
   </p:clrMapOvr>
-  <p:timing>
-    <p:tnLst>
-      <p:par>
-        <p:cTn id="1" dur="indefinite" restart="never" nodeType="tmRoot"/>
-      </p:par>
-    </p:tnLst>
-  </p:timing>
 </p:sld>
 </file>
 
@@ -9655,18 +9640,10 @@
           <a:lstStyle/>
           <a:p>
             <a:r>
-              <a:rPr lang="en-US" altLang="zh-TW" dirty="0" smtClean="0"/>
-              <a:t>“Traps </a:t>
-            </a:r>
-            <a:r>
-              <a:rPr lang="en-US" altLang="zh-TW" dirty="0" smtClean="0"/>
-              <a:t>in Big Data Analysis</a:t>
-            </a:r>
-            <a:r>
-              <a:rPr lang="en-US" altLang="zh-TW" dirty="0" smtClean="0"/>
-              <a:t>?”</a:t>
-            </a:r>
-            <a:endParaRPr lang="zh-TW" altLang="en-US" dirty="0" smtClean="0"/>
+              <a:rPr lang="en-US" altLang="zh-TW" dirty="0"/>
+              <a:t>“Traps in Big Data Analysis?”</a:t>
+            </a:r>
+            <a:endParaRPr lang="zh-TW" altLang="en-US" dirty="0"/>
           </a:p>
         </p:txBody>
       </p:sp>
@@ -9691,16 +9668,8 @@
               <a:defRPr/>
             </a:pPr>
             <a:r>
-              <a:rPr lang="en-US" altLang="zh-TW" dirty="0" smtClean="0"/>
-              <a:t>GFT failed missing </a:t>
-            </a:r>
-            <a:r>
               <a:rPr lang="en-US" altLang="zh-TW" dirty="0"/>
-              <a:t>at the peak of the 2013 flu season by 140 </a:t>
-            </a:r>
-            <a:r>
-              <a:rPr lang="en-US" altLang="zh-TW" dirty="0" smtClean="0"/>
-              <a:t>percent</a:t>
+              <a:t>GFT failed missing at the peak of the 2013 flu season by 140 percent</a:t>
             </a:r>
           </a:p>
           <a:p>
@@ -9708,16 +9677,8 @@
               <a:defRPr/>
             </a:pPr>
             <a:r>
-              <a:rPr lang="en-US" altLang="zh-TW" dirty="0" smtClean="0"/>
-              <a:t>It’s dangerous </a:t>
-            </a:r>
-            <a:r>
               <a:rPr lang="en-US" altLang="zh-TW" dirty="0"/>
-              <a:t>to rely on Google Flu Trends for any </a:t>
-            </a:r>
-            <a:r>
-              <a:rPr lang="en-US" altLang="zh-TW" dirty="0" smtClean="0"/>
-              <a:t>decision-making</a:t>
+              <a:t>It’s dangerous to rely on Google Flu Trends for any decision-making</a:t>
             </a:r>
           </a:p>
           <a:p>
@@ -9725,16 +9686,8 @@
               <a:defRPr/>
             </a:pPr>
             <a:r>
-              <a:rPr lang="en-US" altLang="zh-TW" dirty="0" smtClean="0"/>
-              <a:t>For example, their algorithm is vulnerable </a:t>
-            </a:r>
-            <a:r>
               <a:rPr lang="en-US" altLang="zh-TW" dirty="0"/>
-              <a:t>to overfitting to seasonal terms unrelated to the flu, like “high school basketball</a:t>
-            </a:r>
-            <a:r>
-              <a:rPr lang="en-US" altLang="zh-TW" dirty="0" smtClean="0"/>
-              <a:t>.”</a:t>
+              <a:t>For example, their algorithm is vulnerable to overfitting to seasonal terms unrelated to the flu, like “high school basketball.”</a:t>
             </a:r>
           </a:p>
           <a:p>
@@ -9745,13 +9698,12 @@
               <a:rPr lang="en-US" altLang="zh-TW" dirty="0"/>
               <a:t>Google also did not take into account changes in search behavior over time</a:t>
             </a:r>
-            <a:endParaRPr lang="en-US" altLang="zh-TW" dirty="0" smtClean="0"/>
           </a:p>
           <a:p>
             <a:pPr>
               <a:defRPr/>
             </a:pPr>
-            <a:endParaRPr lang="en-US" altLang="zh-TW" dirty="0" smtClean="0">
+            <a:endParaRPr lang="en-US" altLang="zh-TW" dirty="0">
               <a:solidFill>
                 <a:schemeClr val="bg1">
                   <a:lumMod val="85000"/>
@@ -9764,7 +9716,7 @@
               <a:defRPr/>
             </a:pPr>
             <a:r>
-              <a:rPr lang="en-US" altLang="zh-TW" dirty="0" smtClean="0">
+              <a:rPr lang="en-US" altLang="zh-TW" dirty="0">
                 <a:solidFill>
                   <a:schemeClr val="bg1">
                     <a:lumMod val="85000"/>
@@ -9774,7 +9726,7 @@
               <a:t>[Source: David </a:t>
             </a:r>
             <a:r>
-              <a:rPr lang="en-US" altLang="zh-TW" dirty="0" err="1" smtClean="0">
+              <a:rPr lang="en-US" altLang="zh-TW" dirty="0" err="1">
                 <a:solidFill>
                   <a:schemeClr val="bg1">
                     <a:lumMod val="85000"/>
@@ -9784,7 +9736,7 @@
               <a:t>Lazer</a:t>
             </a:r>
             <a:r>
-              <a:rPr lang="en-US" altLang="zh-TW" dirty="0" smtClean="0">
+              <a:rPr lang="en-US" altLang="zh-TW" dirty="0">
                 <a:solidFill>
                   <a:schemeClr val="bg1">
                     <a:lumMod val="85000"/>
@@ -9794,7 +9746,7 @@
               <a:t>, Ryan Kennedy, Gary King, and Alessandro </a:t>
             </a:r>
             <a:r>
-              <a:rPr lang="en-US" altLang="zh-TW" dirty="0" err="1" smtClean="0">
+              <a:rPr lang="en-US" altLang="zh-TW" dirty="0" err="1">
                 <a:solidFill>
                   <a:schemeClr val="bg1">
                     <a:lumMod val="85000"/>
@@ -9804,7 +9756,7 @@
               <a:t>Vespignani</a:t>
             </a:r>
             <a:r>
-              <a:rPr lang="en-US" altLang="zh-TW" dirty="0" smtClean="0">
+              <a:rPr lang="en-US" altLang="zh-TW" dirty="0">
                 <a:solidFill>
                   <a:schemeClr val="bg1">
                     <a:lumMod val="85000"/>
@@ -9814,7 +9766,7 @@
               <a:t>, The Parable of Google Flu: Traps in Big Data Analysis, </a:t>
             </a:r>
             <a:r>
-              <a:rPr lang="en-US" altLang="zh-TW" b="1" i="1" cap="all" dirty="0" smtClean="0">
+              <a:rPr lang="en-US" altLang="zh-TW" b="1" i="1" cap="all" dirty="0">
                 <a:solidFill>
                   <a:schemeClr val="bg1">
                     <a:lumMod val="85000"/>
@@ -9824,16 +9776,16 @@
               <a:t>Science</a:t>
             </a:r>
             <a:r>
-              <a:rPr lang="en-US" altLang="zh-TW" dirty="0" smtClean="0">
+              <a:rPr lang="en-US" altLang="zh-TW" dirty="0">
                 <a:solidFill>
                   <a:schemeClr val="bg1">
                     <a:lumMod val="85000"/>
                   </a:schemeClr>
                 </a:solidFill>
               </a:rPr>
-              <a:t>, Vol 343, Issue 6176, pp. 1203-1205, 14 </a:t>
-            </a:r>
-            <a:r>
+              <a:t>, Vol 343, Issue 6176, pp. 1203-1205, 14 Mar 2014, </a:t>
+            </a:r>
+            <a:br>
               <a:rPr lang="en-US" altLang="zh-TW" dirty="0">
                 <a:solidFill>
                   <a:schemeClr val="bg1">
@@ -9841,31 +9793,20 @@
                   </a:schemeClr>
                 </a:solidFill>
               </a:rPr>
-              <a:t>Mar </a:t>
-            </a:r>
-            <a:r>
-              <a:rPr lang="en-US" altLang="zh-TW" dirty="0" smtClean="0">
+            </a:br>
+            <a:r>
+              <a:rPr lang="en-US" altLang="zh-TW" u="sng" dirty="0">
                 <a:solidFill>
                   <a:schemeClr val="bg1">
                     <a:lumMod val="85000"/>
                   </a:schemeClr>
                 </a:solidFill>
-              </a:rPr>
-              <a:t>2014,</a:t>
-            </a:r>
-            <a:r>
-              <a:rPr lang="en-US" altLang="zh-TW" u="sng" dirty="0" smtClean="0">
-                <a:solidFill>
-                  <a:schemeClr val="bg1">
-                    <a:lumMod val="85000"/>
-                  </a:schemeClr>
-                </a:solidFill>
                 <a:hlinkClick r:id="rId2"/>
               </a:rPr>
               <a:t>DOI: 10.1126/science.1248506</a:t>
             </a:r>
             <a:r>
-              <a:rPr lang="en-US" altLang="zh-TW" u="sng" dirty="0" smtClean="0">
+              <a:rPr lang="en-US" altLang="zh-TW" u="sng" dirty="0">
                 <a:solidFill>
                   <a:schemeClr val="bg1">
                     <a:lumMod val="85000"/>
@@ -9894,13 +9835,6 @@
   <p:clrMapOvr>
     <a:masterClrMapping/>
   </p:clrMapOvr>
-  <p:timing>
-    <p:tnLst>
-      <p:par>
-        <p:cTn id="1" dur="indefinite" restart="never" nodeType="tmRoot"/>
-      </p:par>
-    </p:tnLst>
-  </p:timing>
 </p:sld>
 </file>
 

--- a/EDM/01-Introduction.pptx
+++ b/EDM/01-Introduction.pptx
@@ -235,7 +235,7 @@
           <a:p>
             <a:fld id="{F87AF23C-6CAB-4A6A-B3BC-A88F610E0570}" type="datetimeFigureOut">
               <a:rPr lang="en-US" smtClean="0"/>
-              <a:t>9/13/2024</a:t>
+              <a:t>9/9/2025</a:t>
             </a:fld>
             <a:endParaRPr lang="en-US"/>
           </a:p>
@@ -6105,7 +6105,7 @@
             </a:pPr>
             <a:r>
               <a:rPr lang="en-US" altLang="en-US" b="1" dirty="0"/>
-              <a:t>What Is Data Mining?</a:t>
+              <a:t>What is Data Mining?</a:t>
             </a:r>
           </a:p>
           <a:p>
@@ -7523,7 +7523,7 @@
             </a:pPr>
             <a:r>
               <a:rPr lang="en-US" altLang="en-US" sz="2400" dirty="0"/>
-              <a:t>Methods: by product of clustering or regression analysis, …</a:t>
+              <a:t>Methods: by-product of clustering or regression analysis, …</a:t>
             </a:r>
           </a:p>
           <a:p>
@@ -9137,7 +9137,7 @@
             </a:pPr>
             <a:r>
               <a:rPr lang="en-US" altLang="en-US" sz="2400" dirty="0"/>
-              <a:t>SAS, MS SQL-Server Analysis Manager, Oracle Data Mining Tools)</a:t>
+              <a:t>SAS, MS SQL-Server Analysis Manager, Oracle Data Mining Tools</a:t>
             </a:r>
           </a:p>
         </p:txBody>
@@ -9440,7 +9440,7 @@
             </a:pPr>
             <a:r>
               <a:rPr lang="en-US" altLang="en-US" sz="2400" dirty="0"/>
-              <a:t>Different data mining method on a wide variety of data</a:t>
+              <a:t>Different data mining methods on a wide variety of data</a:t>
             </a:r>
           </a:p>
           <a:p>
@@ -9687,7 +9687,7 @@
             </a:pPr>
             <a:r>
               <a:rPr lang="en-US" altLang="zh-TW" dirty="0"/>
-              <a:t>For example, their algorithm is vulnerable to overfitting to seasonal terms unrelated to the flu, like “high school basketball.”</a:t>
+              <a:t>For example, their algorithm is vulnerable to overfitting to seasonal terms unrelated to the flu, like “high school basketball”</a:t>
             </a:r>
           </a:p>
           <a:p>
@@ -10378,7 +10378,7 @@
             <a:pPr lvl="1"/>
             <a:r>
               <a:rPr lang="en-US" sz="2200" b="0" i="0" u="none" strike="noStrike" baseline="0" dirty="0"/>
-              <a:t>Different applications: different data sets and require different data analysis methods</a:t>
+              <a:t>Different applications: different data sets require different data analysis methods</a:t>
             </a:r>
           </a:p>
           <a:p>
